--- a/TankyShooty/TankyShooty/prezentáció.pptx
+++ b/TankyShooty/TankyShooty/prezentáció.pptx
@@ -6,7 +6,10 @@
   </p:sldMasterIdLst>
   <p:sldIdLst>
     <p:sldId id="256" r:id="rId2"/>
-    <p:sldId id="257" r:id="rId3"/>
+    <p:sldId id="258" r:id="rId3"/>
+    <p:sldId id="257" r:id="rId4"/>
+    <p:sldId id="259" r:id="rId5"/>
+    <p:sldId id="260" r:id="rId6"/>
   </p:sldIdLst>
   <p:sldSz cx="12192000" cy="6858000"/>
   <p:notesSz cx="6858000" cy="9144000"/>
@@ -105,7 +108,244 @@
       </a:defRPr>
     </a:lvl9pPr>
   </p:defaultTextStyle>
+  <p:extLst>
+    <p:ext uri="{EFAFB233-063F-42B5-8137-9DF3F51BA10A}">
+      <p15:sldGuideLst xmlns:p15="http://schemas.microsoft.com/office/powerpoint/2012/main"/>
+    </p:ext>
+  </p:extLst>
 </p:presentation>
+</file>
+
+<file path=ppt/changesInfos/changesInfo1.xml><?xml version="1.0" encoding="utf-8"?>
+<pc:chgInfo xmlns:a="http://schemas.openxmlformats.org/drawingml/2006/main" xmlns:r="http://schemas.openxmlformats.org/officeDocument/2006/relationships" xmlns:ac="http://schemas.microsoft.com/office/drawing/2013/main/command" xmlns:pc="http://schemas.microsoft.com/office/powerpoint/2013/main/command">
+  <pc:docChgLst>
+    <pc:chgData name="Benedek Süke" userId="7b361f416f737459" providerId="LiveId" clId="{15333F58-DF30-472C-AA6D-4841BB2DADB0}"/>
+    <pc:docChg chg="undo custSel addSld delSld modSld sldOrd">
+      <pc:chgData name="Benedek Süke" userId="7b361f416f737459" providerId="LiveId" clId="{15333F58-DF30-472C-AA6D-4841BB2DADB0}" dt="2025-02-18T18:25:41.329" v="406"/>
+      <pc:docMkLst>
+        <pc:docMk/>
+      </pc:docMkLst>
+      <pc:sldChg chg="modTransition">
+        <pc:chgData name="Benedek Süke" userId="7b361f416f737459" providerId="LiveId" clId="{15333F58-DF30-472C-AA6D-4841BB2DADB0}" dt="2025-02-18T18:25:41.329" v="406"/>
+        <pc:sldMkLst>
+          <pc:docMk/>
+          <pc:sldMk cId="1214566013" sldId="256"/>
+        </pc:sldMkLst>
+      </pc:sldChg>
+      <pc:sldChg chg="addSp modSp mod modTransition">
+        <pc:chgData name="Benedek Süke" userId="7b361f416f737459" providerId="LiveId" clId="{15333F58-DF30-472C-AA6D-4841BB2DADB0}" dt="2025-02-18T18:25:41.329" v="406"/>
+        <pc:sldMkLst>
+          <pc:docMk/>
+          <pc:sldMk cId="4169309799" sldId="257"/>
+        </pc:sldMkLst>
+        <pc:spChg chg="mod">
+          <ac:chgData name="Benedek Süke" userId="7b361f416f737459" providerId="LiveId" clId="{15333F58-DF30-472C-AA6D-4841BB2DADB0}" dt="2025-02-18T18:16:51.178" v="80" actId="1076"/>
+          <ac:spMkLst>
+            <pc:docMk/>
+            <pc:sldMk cId="4169309799" sldId="257"/>
+            <ac:spMk id="2" creationId="{49DB73CA-F38A-4B12-948E-E3C2284A55A9}"/>
+          </ac:spMkLst>
+        </pc:spChg>
+        <pc:spChg chg="mod">
+          <ac:chgData name="Benedek Süke" userId="7b361f416f737459" providerId="LiveId" clId="{15333F58-DF30-472C-AA6D-4841BB2DADB0}" dt="2025-02-18T18:11:09.642" v="31" actId="1076"/>
+          <ac:spMkLst>
+            <pc:docMk/>
+            <pc:sldMk cId="4169309799" sldId="257"/>
+            <ac:spMk id="4" creationId="{49790068-7DC2-4658-9E4A-08342F972601}"/>
+          </ac:spMkLst>
+        </pc:spChg>
+        <pc:spChg chg="mod">
+          <ac:chgData name="Benedek Süke" userId="7b361f416f737459" providerId="LiveId" clId="{15333F58-DF30-472C-AA6D-4841BB2DADB0}" dt="2025-02-18T18:11:09.642" v="31" actId="1076"/>
+          <ac:spMkLst>
+            <pc:docMk/>
+            <pc:sldMk cId="4169309799" sldId="257"/>
+            <ac:spMk id="7" creationId="{7B2AD49B-11A5-438E-BACD-622CE9C9C0B2}"/>
+          </ac:spMkLst>
+        </pc:spChg>
+        <pc:spChg chg="add mod">
+          <ac:chgData name="Benedek Süke" userId="7b361f416f737459" providerId="LiveId" clId="{15333F58-DF30-472C-AA6D-4841BB2DADB0}" dt="2025-02-18T18:11:09.642" v="31" actId="1076"/>
+          <ac:spMkLst>
+            <pc:docMk/>
+            <pc:sldMk cId="4169309799" sldId="257"/>
+            <ac:spMk id="9" creationId="{948488F5-95FF-C78D-2218-FD7E1DEE0D89}"/>
+          </ac:spMkLst>
+        </pc:spChg>
+        <pc:picChg chg="mod">
+          <ac:chgData name="Benedek Süke" userId="7b361f416f737459" providerId="LiveId" clId="{15333F58-DF30-472C-AA6D-4841BB2DADB0}" dt="2025-02-18T18:11:09.642" v="31" actId="1076"/>
+          <ac:picMkLst>
+            <pc:docMk/>
+            <pc:sldMk cId="4169309799" sldId="257"/>
+            <ac:picMk id="5" creationId="{335BE0E2-9CE4-4229-82B0-119B4684D582}"/>
+          </ac:picMkLst>
+        </pc:picChg>
+        <pc:picChg chg="mod">
+          <ac:chgData name="Benedek Süke" userId="7b361f416f737459" providerId="LiveId" clId="{15333F58-DF30-472C-AA6D-4841BB2DADB0}" dt="2025-02-18T18:11:09.642" v="31" actId="1076"/>
+          <ac:picMkLst>
+            <pc:docMk/>
+            <pc:sldMk cId="4169309799" sldId="257"/>
+            <ac:picMk id="6" creationId="{20418597-4245-4BDF-8260-24593CEF6FA9}"/>
+          </ac:picMkLst>
+        </pc:picChg>
+        <pc:picChg chg="add mod">
+          <ac:chgData name="Benedek Süke" userId="7b361f416f737459" providerId="LiveId" clId="{15333F58-DF30-472C-AA6D-4841BB2DADB0}" dt="2025-02-18T18:11:09.642" v="31" actId="1076"/>
+          <ac:picMkLst>
+            <pc:docMk/>
+            <pc:sldMk cId="4169309799" sldId="257"/>
+            <ac:picMk id="8" creationId="{9A853EA1-2296-FB03-40E6-FD8B30BEBE1F}"/>
+          </ac:picMkLst>
+        </pc:picChg>
+      </pc:sldChg>
+      <pc:sldChg chg="addSp delSp modSp add mod ord modTransition">
+        <pc:chgData name="Benedek Süke" userId="7b361f416f737459" providerId="LiveId" clId="{15333F58-DF30-472C-AA6D-4841BB2DADB0}" dt="2025-02-18T18:25:41.329" v="406"/>
+        <pc:sldMkLst>
+          <pc:docMk/>
+          <pc:sldMk cId="624471530" sldId="258"/>
+        </pc:sldMkLst>
+        <pc:spChg chg="mod">
+          <ac:chgData name="Benedek Süke" userId="7b361f416f737459" providerId="LiveId" clId="{15333F58-DF30-472C-AA6D-4841BB2DADB0}" dt="2025-02-18T18:17:08.717" v="83" actId="1076"/>
+          <ac:spMkLst>
+            <pc:docMk/>
+            <pc:sldMk cId="624471530" sldId="258"/>
+            <ac:spMk id="2" creationId="{0E9A938F-AC35-01FD-9FFA-9AFA06D06787}"/>
+          </ac:spMkLst>
+        </pc:spChg>
+        <pc:spChg chg="mod">
+          <ac:chgData name="Benedek Süke" userId="7b361f416f737459" providerId="LiveId" clId="{15333F58-DF30-472C-AA6D-4841BB2DADB0}" dt="2025-02-18T18:13:29.932" v="59" actId="1076"/>
+          <ac:spMkLst>
+            <pc:docMk/>
+            <pc:sldMk cId="624471530" sldId="258"/>
+            <ac:spMk id="7" creationId="{4E1E0332-5B93-ED13-3F04-E9E9E67DECAD}"/>
+          </ac:spMkLst>
+        </pc:spChg>
+        <pc:spChg chg="mod">
+          <ac:chgData name="Benedek Süke" userId="7b361f416f737459" providerId="LiveId" clId="{15333F58-DF30-472C-AA6D-4841BB2DADB0}" dt="2025-02-18T18:13:22.212" v="57" actId="1076"/>
+          <ac:spMkLst>
+            <pc:docMk/>
+            <pc:sldMk cId="624471530" sldId="258"/>
+            <ac:spMk id="9" creationId="{6717BC3D-5864-DD60-ACF7-349E99A8F79D}"/>
+          </ac:spMkLst>
+        </pc:spChg>
+        <pc:spChg chg="add del mod">
+          <ac:chgData name="Benedek Süke" userId="7b361f416f737459" providerId="LiveId" clId="{15333F58-DF30-472C-AA6D-4841BB2DADB0}" dt="2025-02-18T18:12:09.804" v="36" actId="478"/>
+          <ac:spMkLst>
+            <pc:docMk/>
+            <pc:sldMk cId="624471530" sldId="258"/>
+            <ac:spMk id="14" creationId="{2CBF4BB5-80C6-4824-7E18-04BAAC389C87}"/>
+          </ac:spMkLst>
+        </pc:spChg>
+        <pc:picChg chg="del">
+          <ac:chgData name="Benedek Süke" userId="7b361f416f737459" providerId="LiveId" clId="{15333F58-DF30-472C-AA6D-4841BB2DADB0}" dt="2025-02-18T18:12:05.712" v="35" actId="478"/>
+          <ac:picMkLst>
+            <pc:docMk/>
+            <pc:sldMk cId="624471530" sldId="258"/>
+            <ac:picMk id="5" creationId="{7790CFE9-C1AC-F318-6530-68BC694A43F0}"/>
+          </ac:picMkLst>
+        </pc:picChg>
+        <pc:picChg chg="del mod">
+          <ac:chgData name="Benedek Süke" userId="7b361f416f737459" providerId="LiveId" clId="{15333F58-DF30-472C-AA6D-4841BB2DADB0}" dt="2025-02-18T18:12:22.034" v="43" actId="478"/>
+          <ac:picMkLst>
+            <pc:docMk/>
+            <pc:sldMk cId="624471530" sldId="258"/>
+            <ac:picMk id="6" creationId="{D0A6F76B-60F8-F94A-3B9C-0A6B5127AC44}"/>
+          </ac:picMkLst>
+        </pc:picChg>
+        <pc:picChg chg="del">
+          <ac:chgData name="Benedek Süke" userId="7b361f416f737459" providerId="LiveId" clId="{15333F58-DF30-472C-AA6D-4841BB2DADB0}" dt="2025-02-18T18:12:22.411" v="44" actId="478"/>
+          <ac:picMkLst>
+            <pc:docMk/>
+            <pc:sldMk cId="624471530" sldId="258"/>
+            <ac:picMk id="8" creationId="{C88B1B75-61E8-890E-4A08-930575269F67}"/>
+          </ac:picMkLst>
+        </pc:picChg>
+        <pc:picChg chg="add del">
+          <ac:chgData name="Benedek Süke" userId="7b361f416f737459" providerId="LiveId" clId="{15333F58-DF30-472C-AA6D-4841BB2DADB0}" dt="2025-02-18T18:12:13.912" v="39" actId="478"/>
+          <ac:picMkLst>
+            <pc:docMk/>
+            <pc:sldMk cId="624471530" sldId="258"/>
+            <ac:picMk id="10" creationId="{1377DEB0-34EE-24E2-7D38-C36201125FB1}"/>
+          </ac:picMkLst>
+        </pc:picChg>
+        <pc:picChg chg="add mod">
+          <ac:chgData name="Benedek Süke" userId="7b361f416f737459" providerId="LiveId" clId="{15333F58-DF30-472C-AA6D-4841BB2DADB0}" dt="2025-02-18T18:12:19.364" v="41" actId="1076"/>
+          <ac:picMkLst>
+            <pc:docMk/>
+            <pc:sldMk cId="624471530" sldId="258"/>
+            <ac:picMk id="12" creationId="{339406D5-A575-478B-F794-7F1D72939AB5}"/>
+          </ac:picMkLst>
+        </pc:picChg>
+        <pc:picChg chg="add mod">
+          <ac:chgData name="Benedek Süke" userId="7b361f416f737459" providerId="LiveId" clId="{15333F58-DF30-472C-AA6D-4841BB2DADB0}" dt="2025-02-18T18:12:48.115" v="49" actId="1076"/>
+          <ac:picMkLst>
+            <pc:docMk/>
+            <pc:sldMk cId="624471530" sldId="258"/>
+            <ac:picMk id="16" creationId="{951E7FC5-6A4E-C8F2-447F-8B6A37773490}"/>
+          </ac:picMkLst>
+        </pc:picChg>
+        <pc:picChg chg="add mod">
+          <ac:chgData name="Benedek Süke" userId="7b361f416f737459" providerId="LiveId" clId="{15333F58-DF30-472C-AA6D-4841BB2DADB0}" dt="2025-02-18T18:13:18.085" v="56" actId="1076"/>
+          <ac:picMkLst>
+            <pc:docMk/>
+            <pc:sldMk cId="624471530" sldId="258"/>
+            <ac:picMk id="18" creationId="{F38298E5-7443-4517-63FB-8C9008CEFD63}"/>
+          </ac:picMkLst>
+        </pc:picChg>
+      </pc:sldChg>
+      <pc:sldChg chg="modSp new mod modTransition">
+        <pc:chgData name="Benedek Süke" userId="7b361f416f737459" providerId="LiveId" clId="{15333F58-DF30-472C-AA6D-4841BB2DADB0}" dt="2025-02-18T18:25:41.329" v="406"/>
+        <pc:sldMkLst>
+          <pc:docMk/>
+          <pc:sldMk cId="1096457033" sldId="259"/>
+        </pc:sldMkLst>
+        <pc:spChg chg="mod">
+          <ac:chgData name="Benedek Süke" userId="7b361f416f737459" providerId="LiveId" clId="{15333F58-DF30-472C-AA6D-4841BB2DADB0}" dt="2025-02-18T18:18:41.374" v="116" actId="1076"/>
+          <ac:spMkLst>
+            <pc:docMk/>
+            <pc:sldMk cId="1096457033" sldId="259"/>
+            <ac:spMk id="2" creationId="{93841FC5-E342-7C83-AB3A-984D62FE1701}"/>
+          </ac:spMkLst>
+        </pc:spChg>
+        <pc:spChg chg="mod">
+          <ac:chgData name="Benedek Süke" userId="7b361f416f737459" providerId="LiveId" clId="{15333F58-DF30-472C-AA6D-4841BB2DADB0}" dt="2025-02-18T18:23:50.115" v="359" actId="20577"/>
+          <ac:spMkLst>
+            <pc:docMk/>
+            <pc:sldMk cId="1096457033" sldId="259"/>
+            <ac:spMk id="3" creationId="{1CF1E151-A82A-34DD-04BD-BC597110A80E}"/>
+          </ac:spMkLst>
+        </pc:spChg>
+      </pc:sldChg>
+      <pc:sldChg chg="delSp modSp new mod modTransition">
+        <pc:chgData name="Benedek Süke" userId="7b361f416f737459" providerId="LiveId" clId="{15333F58-DF30-472C-AA6D-4841BB2DADB0}" dt="2025-02-18T18:25:41.329" v="406"/>
+        <pc:sldMkLst>
+          <pc:docMk/>
+          <pc:sldMk cId="2004925032" sldId="260"/>
+        </pc:sldMkLst>
+        <pc:spChg chg="mod">
+          <ac:chgData name="Benedek Süke" userId="7b361f416f737459" providerId="LiveId" clId="{15333F58-DF30-472C-AA6D-4841BB2DADB0}" dt="2025-02-18T18:25:02.697" v="402" actId="20577"/>
+          <ac:spMkLst>
+            <pc:docMk/>
+            <pc:sldMk cId="2004925032" sldId="260"/>
+            <ac:spMk id="2" creationId="{60DF5156-70FA-E08D-96C7-FD1F03975297}"/>
+          </ac:spMkLst>
+        </pc:spChg>
+        <pc:spChg chg="del">
+          <ac:chgData name="Benedek Süke" userId="7b361f416f737459" providerId="LiveId" clId="{15333F58-DF30-472C-AA6D-4841BB2DADB0}" dt="2025-02-18T18:25:06.838" v="403" actId="478"/>
+          <ac:spMkLst>
+            <pc:docMk/>
+            <pc:sldMk cId="2004925032" sldId="260"/>
+            <ac:spMk id="3" creationId="{C26B6E1A-BC48-DB25-106A-0C167E9734C4}"/>
+          </ac:spMkLst>
+        </pc:spChg>
+      </pc:sldChg>
+      <pc:sldChg chg="new del">
+        <pc:chgData name="Benedek Süke" userId="7b361f416f737459" providerId="LiveId" clId="{15333F58-DF30-472C-AA6D-4841BB2DADB0}" dt="2025-02-18T18:24:27.991" v="361" actId="2696"/>
+        <pc:sldMkLst>
+          <pc:docMk/>
+          <pc:sldMk cId="2368632636" sldId="260"/>
+        </pc:sldMkLst>
+      </pc:sldChg>
+    </pc:docChg>
+  </pc:docChgLst>
+</pc:chgInfo>
 </file>
 
 <file path=ppt/slideLayouts/slideLayout1.xml><?xml version="1.0" encoding="utf-8"?>
@@ -300,7 +540,7 @@
             <a:fld id="{B61BEF0D-F0BB-DE4B-95CE-6DB70DBA9567}" type="datetimeFigureOut">
               <a:rPr lang="en-US" dirty="0"/>
               <a:pPr/>
-              <a:t>2/17/2025</a:t>
+              <a:t>2/18/2025</a:t>
             </a:fld>
             <a:endParaRPr lang="en-US" dirty="0"/>
           </a:p>
@@ -733,7 +973,7 @@
             <a:fld id="{B61BEF0D-F0BB-DE4B-95CE-6DB70DBA9567}" type="datetimeFigureOut">
               <a:rPr lang="en-US" dirty="0"/>
               <a:pPr/>
-              <a:t>2/17/2025</a:t>
+              <a:t>2/18/2025</a:t>
             </a:fld>
             <a:endParaRPr lang="en-US" dirty="0"/>
           </a:p>
@@ -980,7 +1220,7 @@
             <a:fld id="{B61BEF0D-F0BB-DE4B-95CE-6DB70DBA9567}" type="datetimeFigureOut">
               <a:rPr lang="en-US" dirty="0"/>
               <a:pPr/>
-              <a:t>2/17/2025</a:t>
+              <a:t>2/18/2025</a:t>
             </a:fld>
             <a:endParaRPr lang="en-US" dirty="0"/>
           </a:p>
@@ -1285,7 +1525,7 @@
             <a:fld id="{B61BEF0D-F0BB-DE4B-95CE-6DB70DBA9567}" type="datetimeFigureOut">
               <a:rPr lang="en-US" dirty="0"/>
               <a:pPr/>
-              <a:t>2/17/2025</a:t>
+              <a:t>2/18/2025</a:t>
             </a:fld>
             <a:endParaRPr lang="en-US" dirty="0"/>
           </a:p>
@@ -1600,7 +1840,7 @@
             <a:fld id="{B61BEF0D-F0BB-DE4B-95CE-6DB70DBA9567}" type="datetimeFigureOut">
               <a:rPr lang="en-US" dirty="0"/>
               <a:pPr/>
-              <a:t>2/17/2025</a:t>
+              <a:t>2/18/2025</a:t>
             </a:fld>
             <a:endParaRPr lang="en-US" dirty="0"/>
           </a:p>
@@ -1899,7 +2139,7 @@
             <a:fld id="{B61BEF0D-F0BB-DE4B-95CE-6DB70DBA9567}" type="datetimeFigureOut">
               <a:rPr lang="en-US" dirty="0"/>
               <a:pPr/>
-              <a:t>2/17/2025</a:t>
+              <a:t>2/18/2025</a:t>
             </a:fld>
             <a:endParaRPr lang="en-US" dirty="0"/>
           </a:p>
@@ -2263,7 +2503,7 @@
             <a:fld id="{B61BEF0D-F0BB-DE4B-95CE-6DB70DBA9567}" type="datetimeFigureOut">
               <a:rPr lang="en-US" dirty="0"/>
               <a:pPr/>
-              <a:t>2/17/2025</a:t>
+              <a:t>2/18/2025</a:t>
             </a:fld>
             <a:endParaRPr lang="en-US" dirty="0"/>
           </a:p>
@@ -2434,7 +2674,7 @@
             <a:fld id="{B61BEF0D-F0BB-DE4B-95CE-6DB70DBA9567}" type="datetimeFigureOut">
               <a:rPr lang="en-US" dirty="0"/>
               <a:pPr/>
-              <a:t>2/17/2025</a:t>
+              <a:t>2/18/2025</a:t>
             </a:fld>
             <a:endParaRPr lang="en-US" dirty="0"/>
           </a:p>
@@ -2611,7 +2851,7 @@
             <a:fld id="{B61BEF0D-F0BB-DE4B-95CE-6DB70DBA9567}" type="datetimeFigureOut">
               <a:rPr lang="en-US" dirty="0"/>
               <a:pPr/>
-              <a:t>2/17/2025</a:t>
+              <a:t>2/18/2025</a:t>
             </a:fld>
             <a:endParaRPr lang="en-US" dirty="0"/>
           </a:p>
@@ -2778,7 +3018,7 @@
             <a:fld id="{B61BEF0D-F0BB-DE4B-95CE-6DB70DBA9567}" type="datetimeFigureOut">
               <a:rPr lang="en-US" dirty="0"/>
               <a:pPr/>
-              <a:t>2/17/2025</a:t>
+              <a:t>2/18/2025</a:t>
             </a:fld>
             <a:endParaRPr lang="en-US" dirty="0"/>
           </a:p>
@@ -3025,7 +3265,7 @@
             <a:fld id="{B61BEF0D-F0BB-DE4B-95CE-6DB70DBA9567}" type="datetimeFigureOut">
               <a:rPr lang="en-US" dirty="0"/>
               <a:pPr/>
-              <a:t>2/17/2025</a:t>
+              <a:t>2/18/2025</a:t>
             </a:fld>
             <a:endParaRPr lang="en-US" dirty="0"/>
           </a:p>
@@ -3258,7 +3498,7 @@
             <a:fld id="{B61BEF0D-F0BB-DE4B-95CE-6DB70DBA9567}" type="datetimeFigureOut">
               <a:rPr lang="en-US" dirty="0"/>
               <a:pPr/>
-              <a:t>2/17/2025</a:t>
+              <a:t>2/18/2025</a:t>
             </a:fld>
             <a:endParaRPr lang="en-US" dirty="0"/>
           </a:p>
@@ -3637,7 +3877,7 @@
             <a:fld id="{B61BEF0D-F0BB-DE4B-95CE-6DB70DBA9567}" type="datetimeFigureOut">
               <a:rPr lang="en-US" dirty="0"/>
               <a:pPr/>
-              <a:t>2/17/2025</a:t>
+              <a:t>2/18/2025</a:t>
             </a:fld>
             <a:endParaRPr lang="en-US" dirty="0"/>
           </a:p>
@@ -3752,7 +3992,7 @@
             <a:fld id="{B61BEF0D-F0BB-DE4B-95CE-6DB70DBA9567}" type="datetimeFigureOut">
               <a:rPr lang="en-US" dirty="0"/>
               <a:pPr/>
-              <a:t>2/17/2025</a:t>
+              <a:t>2/18/2025</a:t>
             </a:fld>
             <a:endParaRPr lang="en-US" dirty="0"/>
           </a:p>
@@ -3844,7 +4084,7 @@
             <a:fld id="{B61BEF0D-F0BB-DE4B-95CE-6DB70DBA9567}" type="datetimeFigureOut">
               <a:rPr lang="en-US" dirty="0"/>
               <a:pPr/>
-              <a:t>2/17/2025</a:t>
+              <a:t>2/18/2025</a:t>
             </a:fld>
             <a:endParaRPr lang="en-US" dirty="0"/>
           </a:p>
@@ -4096,7 +4336,7 @@
             <a:fld id="{B61BEF0D-F0BB-DE4B-95CE-6DB70DBA9567}" type="datetimeFigureOut">
               <a:rPr lang="en-US" dirty="0"/>
               <a:pPr/>
-              <a:t>2/17/2025</a:t>
+              <a:t>2/18/2025</a:t>
             </a:fld>
             <a:endParaRPr lang="en-US" dirty="0"/>
           </a:p>
@@ -4376,7 +4616,7 @@
             <a:fld id="{B61BEF0D-F0BB-DE4B-95CE-6DB70DBA9567}" type="datetimeFigureOut">
               <a:rPr lang="en-US" dirty="0"/>
               <a:pPr/>
-              <a:t>2/17/2025</a:t>
+              <a:t>2/18/2025</a:t>
             </a:fld>
             <a:endParaRPr lang="en-US" dirty="0"/>
           </a:p>
@@ -4779,7 +5019,7 @@
             <a:fld id="{B61BEF0D-F0BB-DE4B-95CE-6DB70DBA9567}" type="datetimeFigureOut">
               <a:rPr lang="en-US" dirty="0"/>
               <a:pPr/>
-              <a:t>2/17/2025</a:t>
+              <a:t>2/18/2025</a:t>
             </a:fld>
             <a:endParaRPr lang="en-US" dirty="0"/>
           </a:p>
@@ -5381,10 +5621,777 @@
   <p:clrMapOvr>
     <a:masterClrMapping/>
   </p:clrMapOvr>
+  <mc:AlternateContent xmlns:mc="http://schemas.openxmlformats.org/markup-compatibility/2006">
+    <mc:Choice xmlns:p14="http://schemas.microsoft.com/office/powerpoint/2010/main" Requires="p14">
+      <p:transition spd="slow" p14:dur="4000">
+        <p14:vortex dir="r"/>
+        <p:sndAc>
+          <p:stSnd>
+            <p:snd r:embed="rId2" name="chimes.wav"/>
+          </p:stSnd>
+        </p:sndAc>
+      </p:transition>
+    </mc:Choice>
+    <mc:Fallback>
+      <p:transition spd="slow">
+        <p:fade/>
+        <p:sndAc>
+          <p:stSnd>
+            <p:snd r:embed="rId2" name="chimes.wav"/>
+          </p:stSnd>
+        </p:sndAc>
+      </p:transition>
+    </mc:Fallback>
+  </mc:AlternateContent>
 </p:sld>
 </file>
 
 <file path=ppt/slides/slide2.xml><?xml version="1.0" encoding="utf-8"?>
+<p:sld xmlns:a="http://schemas.openxmlformats.org/drawingml/2006/main" xmlns:r="http://schemas.openxmlformats.org/officeDocument/2006/relationships" xmlns:p="http://schemas.openxmlformats.org/presentationml/2006/main">
+  <p:cSld>
+    <p:spTree>
+      <p:nvGrpSpPr>
+        <p:cNvPr id="1" name="">
+          <a:extLst>
+            <a:ext uri="{FF2B5EF4-FFF2-40B4-BE49-F238E27FC236}">
+              <a16:creationId xmlns:a16="http://schemas.microsoft.com/office/drawing/2014/main" id="{81F77F18-0FF3-EE69-DD37-A16A4918A82D}"/>
+            </a:ext>
+          </a:extLst>
+        </p:cNvPr>
+        <p:cNvGrpSpPr/>
+        <p:nvPr/>
+      </p:nvGrpSpPr>
+      <p:grpSpPr>
+        <a:xfrm>
+          <a:off x="0" y="0"/>
+          <a:ext cx="0" cy="0"/>
+          <a:chOff x="0" y="0"/>
+          <a:chExt cx="0" cy="0"/>
+        </a:xfrm>
+      </p:grpSpPr>
+      <p:sp>
+        <p:nvSpPr>
+          <p:cNvPr id="2" name="Cím 1">
+            <a:extLst>
+              <a:ext uri="{FF2B5EF4-FFF2-40B4-BE49-F238E27FC236}">
+                <a16:creationId xmlns:a16="http://schemas.microsoft.com/office/drawing/2014/main" id="{0E9A938F-AC35-01FD-9FFA-9AFA06D06787}"/>
+              </a:ext>
+            </a:extLst>
+          </p:cNvPr>
+          <p:cNvSpPr>
+            <a:spLocks noGrp="1"/>
+          </p:cNvSpPr>
+          <p:nvPr>
+            <p:ph type="title"/>
+          </p:nvPr>
+        </p:nvSpPr>
+        <p:spPr>
+          <a:xfrm>
+            <a:off x="5003221" y="-195481"/>
+            <a:ext cx="2185558" cy="1371600"/>
+          </a:xfrm>
+        </p:spPr>
+        <p:txBody>
+          <a:bodyPr>
+            <a:normAutofit/>
+          </a:bodyPr>
+          <a:lstStyle/>
+          <a:p>
+            <a:pPr algn="ctr"/>
+            <a:r>
+              <a:rPr lang="hu-HU" sz="4400" dirty="0"/>
+              <a:t>Tervek</a:t>
+            </a:r>
+          </a:p>
+        </p:txBody>
+      </p:sp>
+      <p:sp>
+        <p:nvSpPr>
+          <p:cNvPr id="4" name="Szöveg helye 3">
+            <a:extLst>
+              <a:ext uri="{FF2B5EF4-FFF2-40B4-BE49-F238E27FC236}">
+                <a16:creationId xmlns:a16="http://schemas.microsoft.com/office/drawing/2014/main" id="{7AC71061-D169-8BC3-A120-C574FB3D9A9A}"/>
+              </a:ext>
+            </a:extLst>
+          </p:cNvPr>
+          <p:cNvSpPr>
+            <a:spLocks noGrp="1"/>
+          </p:cNvSpPr>
+          <p:nvPr>
+            <p:ph type="body" sz="half" idx="2"/>
+          </p:nvPr>
+        </p:nvSpPr>
+        <p:spPr>
+          <a:xfrm>
+            <a:off x="1175580" y="4496817"/>
+            <a:ext cx="1731818" cy="894127"/>
+          </a:xfrm>
+        </p:spPr>
+        <p:txBody>
+          <a:bodyPr>
+            <a:normAutofit fontScale="92500"/>
+          </a:bodyPr>
+          <a:lstStyle/>
+          <a:p>
+            <a:r>
+              <a:rPr lang="hu-HU" sz="3200" dirty="0"/>
+              <a:t>Főmenü</a:t>
+            </a:r>
+          </a:p>
+        </p:txBody>
+      </p:sp>
+      <p:sp>
+        <p:nvSpPr>
+          <p:cNvPr id="7" name="Szöveg helye 3">
+            <a:extLst>
+              <a:ext uri="{FF2B5EF4-FFF2-40B4-BE49-F238E27FC236}">
+                <a16:creationId xmlns:a16="http://schemas.microsoft.com/office/drawing/2014/main" id="{4E1E0332-5B93-ED13-3F04-E9E9E67DECAD}"/>
+              </a:ext>
+            </a:extLst>
+          </p:cNvPr>
+          <p:cNvSpPr txBox="1">
+            <a:spLocks/>
+          </p:cNvSpPr>
+          <p:nvPr/>
+        </p:nvSpPr>
+        <p:spPr>
+          <a:xfrm>
+            <a:off x="9402291" y="4473879"/>
+            <a:ext cx="1731818" cy="894127"/>
+          </a:xfrm>
+          <a:prstGeom prst="rect">
+            <a:avLst/>
+          </a:prstGeom>
+        </p:spPr>
+        <p:txBody>
+          <a:bodyPr vert="horz" lIns="91440" tIns="45720" rIns="91440" bIns="45720" rtlCol="0" anchor="t">
+            <a:normAutofit/>
+          </a:bodyPr>
+          <a:lstStyle>
+            <a:lvl1pPr marL="0" indent="0" algn="l" defTabSz="457200" rtl="0" eaLnBrk="1" latinLnBrk="0" hangingPunct="1">
+              <a:spcBef>
+                <a:spcPct val="20000"/>
+              </a:spcBef>
+              <a:spcAft>
+                <a:spcPts val="600"/>
+              </a:spcAft>
+              <a:buClr>
+                <a:schemeClr val="tx1"/>
+              </a:buClr>
+              <a:buSzPct val="80000"/>
+              <a:buFont typeface="Wingdings 3" panose="05040102010807070707" pitchFamily="18" charset="2"/>
+              <a:buNone/>
+              <a:defRPr sz="1600" kern="1200" cap="none">
+                <a:solidFill>
+                  <a:schemeClr val="bg2">
+                    <a:lumMod val="75000"/>
+                  </a:schemeClr>
+                </a:solidFill>
+                <a:effectLst/>
+                <a:latin typeface="+mn-lt"/>
+                <a:ea typeface="+mn-ea"/>
+                <a:cs typeface="+mn-cs"/>
+              </a:defRPr>
+            </a:lvl1pPr>
+            <a:lvl2pPr marL="457200" indent="0" algn="l" defTabSz="457200" rtl="0" eaLnBrk="1" latinLnBrk="0" hangingPunct="1">
+              <a:spcBef>
+                <a:spcPct val="20000"/>
+              </a:spcBef>
+              <a:spcAft>
+                <a:spcPts val="600"/>
+              </a:spcAft>
+              <a:buClr>
+                <a:schemeClr val="tx1"/>
+              </a:buClr>
+              <a:buSzPct val="80000"/>
+              <a:buFont typeface="Wingdings 3" panose="05040102010807070707" pitchFamily="18" charset="2"/>
+              <a:buNone/>
+              <a:defRPr sz="1200" kern="1200" cap="none">
+                <a:solidFill>
+                  <a:schemeClr val="bg2">
+                    <a:lumMod val="75000"/>
+                  </a:schemeClr>
+                </a:solidFill>
+                <a:effectLst/>
+                <a:latin typeface="+mn-lt"/>
+                <a:ea typeface="+mn-ea"/>
+                <a:cs typeface="+mn-cs"/>
+              </a:defRPr>
+            </a:lvl2pPr>
+            <a:lvl3pPr marL="914400" indent="0" algn="l" defTabSz="457200" rtl="0" eaLnBrk="1" latinLnBrk="0" hangingPunct="1">
+              <a:spcBef>
+                <a:spcPct val="20000"/>
+              </a:spcBef>
+              <a:spcAft>
+                <a:spcPts val="600"/>
+              </a:spcAft>
+              <a:buClr>
+                <a:schemeClr val="tx1"/>
+              </a:buClr>
+              <a:buSzPct val="80000"/>
+              <a:buFont typeface="Wingdings 3" panose="05040102010807070707" pitchFamily="18" charset="2"/>
+              <a:buNone/>
+              <a:defRPr sz="1000" kern="1200" cap="none">
+                <a:solidFill>
+                  <a:schemeClr val="bg2">
+                    <a:lumMod val="75000"/>
+                  </a:schemeClr>
+                </a:solidFill>
+                <a:effectLst/>
+                <a:latin typeface="+mn-lt"/>
+                <a:ea typeface="+mn-ea"/>
+                <a:cs typeface="+mn-cs"/>
+              </a:defRPr>
+            </a:lvl3pPr>
+            <a:lvl4pPr marL="1371600" indent="0" algn="l" defTabSz="457200" rtl="0" eaLnBrk="1" latinLnBrk="0" hangingPunct="1">
+              <a:spcBef>
+                <a:spcPct val="20000"/>
+              </a:spcBef>
+              <a:spcAft>
+                <a:spcPts val="600"/>
+              </a:spcAft>
+              <a:buClr>
+                <a:schemeClr val="tx1"/>
+              </a:buClr>
+              <a:buSzPct val="80000"/>
+              <a:buFont typeface="Wingdings 3" panose="05040102010807070707" pitchFamily="18" charset="2"/>
+              <a:buNone/>
+              <a:defRPr sz="900" kern="1200" cap="none">
+                <a:solidFill>
+                  <a:schemeClr val="bg2">
+                    <a:lumMod val="75000"/>
+                  </a:schemeClr>
+                </a:solidFill>
+                <a:effectLst/>
+                <a:latin typeface="+mn-lt"/>
+                <a:ea typeface="+mn-ea"/>
+                <a:cs typeface="+mn-cs"/>
+              </a:defRPr>
+            </a:lvl4pPr>
+            <a:lvl5pPr marL="1828800" indent="0" algn="l" defTabSz="457200" rtl="0" eaLnBrk="1" latinLnBrk="0" hangingPunct="1">
+              <a:spcBef>
+                <a:spcPct val="20000"/>
+              </a:spcBef>
+              <a:spcAft>
+                <a:spcPts val="600"/>
+              </a:spcAft>
+              <a:buClr>
+                <a:schemeClr val="tx1"/>
+              </a:buClr>
+              <a:buSzPct val="80000"/>
+              <a:buFont typeface="Wingdings 3" panose="05040102010807070707" pitchFamily="18" charset="2"/>
+              <a:buNone/>
+              <a:defRPr sz="900" kern="1200" cap="none">
+                <a:solidFill>
+                  <a:schemeClr val="bg2">
+                    <a:lumMod val="75000"/>
+                  </a:schemeClr>
+                </a:solidFill>
+                <a:effectLst/>
+                <a:latin typeface="+mn-lt"/>
+                <a:ea typeface="+mn-ea"/>
+                <a:cs typeface="+mn-cs"/>
+              </a:defRPr>
+            </a:lvl5pPr>
+            <a:lvl6pPr marL="2286000" indent="0" algn="l" defTabSz="457200" rtl="0" eaLnBrk="1" latinLnBrk="0" hangingPunct="1">
+              <a:spcBef>
+                <a:spcPct val="20000"/>
+              </a:spcBef>
+              <a:spcAft>
+                <a:spcPts val="600"/>
+              </a:spcAft>
+              <a:buClr>
+                <a:schemeClr val="tx1"/>
+              </a:buClr>
+              <a:buSzPct val="80000"/>
+              <a:buFont typeface="Wingdings 3" panose="05040102010807070707" pitchFamily="18" charset="2"/>
+              <a:buNone/>
+              <a:defRPr sz="900" kern="1200" cap="none">
+                <a:solidFill>
+                  <a:schemeClr val="bg2">
+                    <a:lumMod val="75000"/>
+                  </a:schemeClr>
+                </a:solidFill>
+                <a:effectLst/>
+                <a:latin typeface="+mn-lt"/>
+                <a:ea typeface="+mn-ea"/>
+                <a:cs typeface="+mn-cs"/>
+              </a:defRPr>
+            </a:lvl6pPr>
+            <a:lvl7pPr marL="2743200" indent="0" algn="l" defTabSz="457200" rtl="0" eaLnBrk="1" latinLnBrk="0" hangingPunct="1">
+              <a:spcBef>
+                <a:spcPct val="20000"/>
+              </a:spcBef>
+              <a:spcAft>
+                <a:spcPts val="600"/>
+              </a:spcAft>
+              <a:buClr>
+                <a:schemeClr val="tx1"/>
+              </a:buClr>
+              <a:buSzPct val="80000"/>
+              <a:buFont typeface="Wingdings 3" panose="05040102010807070707" pitchFamily="18" charset="2"/>
+              <a:buNone/>
+              <a:defRPr sz="900" kern="1200" cap="none">
+                <a:solidFill>
+                  <a:schemeClr val="bg2">
+                    <a:lumMod val="75000"/>
+                  </a:schemeClr>
+                </a:solidFill>
+                <a:effectLst/>
+                <a:latin typeface="+mn-lt"/>
+                <a:ea typeface="+mn-ea"/>
+                <a:cs typeface="+mn-cs"/>
+              </a:defRPr>
+            </a:lvl7pPr>
+            <a:lvl8pPr marL="3200400" indent="0" algn="l" defTabSz="457200" rtl="0" eaLnBrk="1" latinLnBrk="0" hangingPunct="1">
+              <a:spcBef>
+                <a:spcPct val="20000"/>
+              </a:spcBef>
+              <a:spcAft>
+                <a:spcPts val="600"/>
+              </a:spcAft>
+              <a:buClr>
+                <a:schemeClr val="tx1"/>
+              </a:buClr>
+              <a:buSzPct val="80000"/>
+              <a:buFont typeface="Wingdings 3" panose="05040102010807070707" pitchFamily="18" charset="2"/>
+              <a:buNone/>
+              <a:defRPr sz="900" kern="1200" cap="none">
+                <a:solidFill>
+                  <a:schemeClr val="bg2">
+                    <a:lumMod val="75000"/>
+                  </a:schemeClr>
+                </a:solidFill>
+                <a:effectLst/>
+                <a:latin typeface="+mn-lt"/>
+                <a:ea typeface="+mn-ea"/>
+                <a:cs typeface="+mn-cs"/>
+              </a:defRPr>
+            </a:lvl8pPr>
+            <a:lvl9pPr marL="3657600" indent="0" algn="l" defTabSz="457200" rtl="0" eaLnBrk="1" latinLnBrk="0" hangingPunct="1">
+              <a:spcBef>
+                <a:spcPct val="20000"/>
+              </a:spcBef>
+              <a:spcAft>
+                <a:spcPts val="600"/>
+              </a:spcAft>
+              <a:buClr>
+                <a:schemeClr val="tx1"/>
+              </a:buClr>
+              <a:buSzPct val="80000"/>
+              <a:buFont typeface="Wingdings 3" panose="05040102010807070707" pitchFamily="18" charset="2"/>
+              <a:buNone/>
+              <a:defRPr sz="900" kern="1200" cap="none">
+                <a:solidFill>
+                  <a:schemeClr val="bg2">
+                    <a:lumMod val="75000"/>
+                  </a:schemeClr>
+                </a:solidFill>
+                <a:effectLst/>
+                <a:latin typeface="+mn-lt"/>
+                <a:ea typeface="+mn-ea"/>
+                <a:cs typeface="+mn-cs"/>
+              </a:defRPr>
+            </a:lvl9pPr>
+          </a:lstStyle>
+          <a:p>
+            <a:r>
+              <a:rPr lang="hu-HU" sz="2800" dirty="0"/>
+              <a:t>Lobby</a:t>
+            </a:r>
+            <a:endParaRPr lang="hu-HU" sz="4000" dirty="0"/>
+          </a:p>
+        </p:txBody>
+      </p:sp>
+      <p:sp>
+        <p:nvSpPr>
+          <p:cNvPr id="9" name="Szöveg helye 3">
+            <a:extLst>
+              <a:ext uri="{FF2B5EF4-FFF2-40B4-BE49-F238E27FC236}">
+                <a16:creationId xmlns:a16="http://schemas.microsoft.com/office/drawing/2014/main" id="{6717BC3D-5864-DD60-ACF7-349E99A8F79D}"/>
+              </a:ext>
+            </a:extLst>
+          </p:cNvPr>
+          <p:cNvSpPr txBox="1">
+            <a:spLocks/>
+          </p:cNvSpPr>
+          <p:nvPr/>
+        </p:nvSpPr>
+        <p:spPr>
+          <a:xfrm>
+            <a:off x="5539281" y="4631635"/>
+            <a:ext cx="1731818" cy="894127"/>
+          </a:xfrm>
+          <a:prstGeom prst="rect">
+            <a:avLst/>
+          </a:prstGeom>
+        </p:spPr>
+        <p:txBody>
+          <a:bodyPr vert="horz" lIns="91440" tIns="45720" rIns="91440" bIns="45720" rtlCol="0" anchor="t">
+            <a:normAutofit/>
+          </a:bodyPr>
+          <a:lstStyle>
+            <a:lvl1pPr marL="0" indent="0" algn="l" defTabSz="457200" rtl="0" eaLnBrk="1" latinLnBrk="0" hangingPunct="1">
+              <a:spcBef>
+                <a:spcPct val="20000"/>
+              </a:spcBef>
+              <a:spcAft>
+                <a:spcPts val="600"/>
+              </a:spcAft>
+              <a:buClr>
+                <a:schemeClr val="tx1"/>
+              </a:buClr>
+              <a:buSzPct val="80000"/>
+              <a:buFont typeface="Wingdings 3" panose="05040102010807070707" pitchFamily="18" charset="2"/>
+              <a:buNone/>
+              <a:defRPr sz="1600" kern="1200" cap="none">
+                <a:solidFill>
+                  <a:schemeClr val="bg2">
+                    <a:lumMod val="75000"/>
+                  </a:schemeClr>
+                </a:solidFill>
+                <a:effectLst/>
+                <a:latin typeface="+mn-lt"/>
+                <a:ea typeface="+mn-ea"/>
+                <a:cs typeface="+mn-cs"/>
+              </a:defRPr>
+            </a:lvl1pPr>
+            <a:lvl2pPr marL="457200" indent="0" algn="l" defTabSz="457200" rtl="0" eaLnBrk="1" latinLnBrk="0" hangingPunct="1">
+              <a:spcBef>
+                <a:spcPct val="20000"/>
+              </a:spcBef>
+              <a:spcAft>
+                <a:spcPts val="600"/>
+              </a:spcAft>
+              <a:buClr>
+                <a:schemeClr val="tx1"/>
+              </a:buClr>
+              <a:buSzPct val="80000"/>
+              <a:buFont typeface="Wingdings 3" panose="05040102010807070707" pitchFamily="18" charset="2"/>
+              <a:buNone/>
+              <a:defRPr sz="1200" kern="1200" cap="none">
+                <a:solidFill>
+                  <a:schemeClr val="bg2">
+                    <a:lumMod val="75000"/>
+                  </a:schemeClr>
+                </a:solidFill>
+                <a:effectLst/>
+                <a:latin typeface="+mn-lt"/>
+                <a:ea typeface="+mn-ea"/>
+                <a:cs typeface="+mn-cs"/>
+              </a:defRPr>
+            </a:lvl2pPr>
+            <a:lvl3pPr marL="914400" indent="0" algn="l" defTabSz="457200" rtl="0" eaLnBrk="1" latinLnBrk="0" hangingPunct="1">
+              <a:spcBef>
+                <a:spcPct val="20000"/>
+              </a:spcBef>
+              <a:spcAft>
+                <a:spcPts val="600"/>
+              </a:spcAft>
+              <a:buClr>
+                <a:schemeClr val="tx1"/>
+              </a:buClr>
+              <a:buSzPct val="80000"/>
+              <a:buFont typeface="Wingdings 3" panose="05040102010807070707" pitchFamily="18" charset="2"/>
+              <a:buNone/>
+              <a:defRPr sz="1000" kern="1200" cap="none">
+                <a:solidFill>
+                  <a:schemeClr val="bg2">
+                    <a:lumMod val="75000"/>
+                  </a:schemeClr>
+                </a:solidFill>
+                <a:effectLst/>
+                <a:latin typeface="+mn-lt"/>
+                <a:ea typeface="+mn-ea"/>
+                <a:cs typeface="+mn-cs"/>
+              </a:defRPr>
+            </a:lvl3pPr>
+            <a:lvl4pPr marL="1371600" indent="0" algn="l" defTabSz="457200" rtl="0" eaLnBrk="1" latinLnBrk="0" hangingPunct="1">
+              <a:spcBef>
+                <a:spcPct val="20000"/>
+              </a:spcBef>
+              <a:spcAft>
+                <a:spcPts val="600"/>
+              </a:spcAft>
+              <a:buClr>
+                <a:schemeClr val="tx1"/>
+              </a:buClr>
+              <a:buSzPct val="80000"/>
+              <a:buFont typeface="Wingdings 3" panose="05040102010807070707" pitchFamily="18" charset="2"/>
+              <a:buNone/>
+              <a:defRPr sz="900" kern="1200" cap="none">
+                <a:solidFill>
+                  <a:schemeClr val="bg2">
+                    <a:lumMod val="75000"/>
+                  </a:schemeClr>
+                </a:solidFill>
+                <a:effectLst/>
+                <a:latin typeface="+mn-lt"/>
+                <a:ea typeface="+mn-ea"/>
+                <a:cs typeface="+mn-cs"/>
+              </a:defRPr>
+            </a:lvl4pPr>
+            <a:lvl5pPr marL="1828800" indent="0" algn="l" defTabSz="457200" rtl="0" eaLnBrk="1" latinLnBrk="0" hangingPunct="1">
+              <a:spcBef>
+                <a:spcPct val="20000"/>
+              </a:spcBef>
+              <a:spcAft>
+                <a:spcPts val="600"/>
+              </a:spcAft>
+              <a:buClr>
+                <a:schemeClr val="tx1"/>
+              </a:buClr>
+              <a:buSzPct val="80000"/>
+              <a:buFont typeface="Wingdings 3" panose="05040102010807070707" pitchFamily="18" charset="2"/>
+              <a:buNone/>
+              <a:defRPr sz="900" kern="1200" cap="none">
+                <a:solidFill>
+                  <a:schemeClr val="bg2">
+                    <a:lumMod val="75000"/>
+                  </a:schemeClr>
+                </a:solidFill>
+                <a:effectLst/>
+                <a:latin typeface="+mn-lt"/>
+                <a:ea typeface="+mn-ea"/>
+                <a:cs typeface="+mn-cs"/>
+              </a:defRPr>
+            </a:lvl5pPr>
+            <a:lvl6pPr marL="2286000" indent="0" algn="l" defTabSz="457200" rtl="0" eaLnBrk="1" latinLnBrk="0" hangingPunct="1">
+              <a:spcBef>
+                <a:spcPct val="20000"/>
+              </a:spcBef>
+              <a:spcAft>
+                <a:spcPts val="600"/>
+              </a:spcAft>
+              <a:buClr>
+                <a:schemeClr val="tx1"/>
+              </a:buClr>
+              <a:buSzPct val="80000"/>
+              <a:buFont typeface="Wingdings 3" panose="05040102010807070707" pitchFamily="18" charset="2"/>
+              <a:buNone/>
+              <a:defRPr sz="900" kern="1200" cap="none">
+                <a:solidFill>
+                  <a:schemeClr val="bg2">
+                    <a:lumMod val="75000"/>
+                  </a:schemeClr>
+                </a:solidFill>
+                <a:effectLst/>
+                <a:latin typeface="+mn-lt"/>
+                <a:ea typeface="+mn-ea"/>
+                <a:cs typeface="+mn-cs"/>
+              </a:defRPr>
+            </a:lvl6pPr>
+            <a:lvl7pPr marL="2743200" indent="0" algn="l" defTabSz="457200" rtl="0" eaLnBrk="1" latinLnBrk="0" hangingPunct="1">
+              <a:spcBef>
+                <a:spcPct val="20000"/>
+              </a:spcBef>
+              <a:spcAft>
+                <a:spcPts val="600"/>
+              </a:spcAft>
+              <a:buClr>
+                <a:schemeClr val="tx1"/>
+              </a:buClr>
+              <a:buSzPct val="80000"/>
+              <a:buFont typeface="Wingdings 3" panose="05040102010807070707" pitchFamily="18" charset="2"/>
+              <a:buNone/>
+              <a:defRPr sz="900" kern="1200" cap="none">
+                <a:solidFill>
+                  <a:schemeClr val="bg2">
+                    <a:lumMod val="75000"/>
+                  </a:schemeClr>
+                </a:solidFill>
+                <a:effectLst/>
+                <a:latin typeface="+mn-lt"/>
+                <a:ea typeface="+mn-ea"/>
+                <a:cs typeface="+mn-cs"/>
+              </a:defRPr>
+            </a:lvl7pPr>
+            <a:lvl8pPr marL="3200400" indent="0" algn="l" defTabSz="457200" rtl="0" eaLnBrk="1" latinLnBrk="0" hangingPunct="1">
+              <a:spcBef>
+                <a:spcPct val="20000"/>
+              </a:spcBef>
+              <a:spcAft>
+                <a:spcPts val="600"/>
+              </a:spcAft>
+              <a:buClr>
+                <a:schemeClr val="tx1"/>
+              </a:buClr>
+              <a:buSzPct val="80000"/>
+              <a:buFont typeface="Wingdings 3" panose="05040102010807070707" pitchFamily="18" charset="2"/>
+              <a:buNone/>
+              <a:defRPr sz="900" kern="1200" cap="none">
+                <a:solidFill>
+                  <a:schemeClr val="bg2">
+                    <a:lumMod val="75000"/>
+                  </a:schemeClr>
+                </a:solidFill>
+                <a:effectLst/>
+                <a:latin typeface="+mn-lt"/>
+                <a:ea typeface="+mn-ea"/>
+                <a:cs typeface="+mn-cs"/>
+              </a:defRPr>
+            </a:lvl8pPr>
+            <a:lvl9pPr marL="3657600" indent="0" algn="l" defTabSz="457200" rtl="0" eaLnBrk="1" latinLnBrk="0" hangingPunct="1">
+              <a:spcBef>
+                <a:spcPct val="20000"/>
+              </a:spcBef>
+              <a:spcAft>
+                <a:spcPts val="600"/>
+              </a:spcAft>
+              <a:buClr>
+                <a:schemeClr val="tx1"/>
+              </a:buClr>
+              <a:buSzPct val="80000"/>
+              <a:buFont typeface="Wingdings 3" panose="05040102010807070707" pitchFamily="18" charset="2"/>
+              <a:buNone/>
+              <a:defRPr sz="900" kern="1200" cap="none">
+                <a:solidFill>
+                  <a:schemeClr val="bg2">
+                    <a:lumMod val="75000"/>
+                  </a:schemeClr>
+                </a:solidFill>
+                <a:effectLst/>
+                <a:latin typeface="+mn-lt"/>
+                <a:ea typeface="+mn-ea"/>
+                <a:cs typeface="+mn-cs"/>
+              </a:defRPr>
+            </a:lvl9pPr>
+          </a:lstStyle>
+          <a:p>
+            <a:r>
+              <a:rPr lang="hu-HU" sz="2800" dirty="0"/>
+              <a:t>Játék</a:t>
+            </a:r>
+            <a:endParaRPr lang="hu-HU" sz="4000" dirty="0"/>
+          </a:p>
+        </p:txBody>
+      </p:sp>
+      <p:pic>
+        <p:nvPicPr>
+          <p:cNvPr id="12" name="Kép 11">
+            <a:extLst>
+              <a:ext uri="{FF2B5EF4-FFF2-40B4-BE49-F238E27FC236}">
+                <a16:creationId xmlns:a16="http://schemas.microsoft.com/office/drawing/2014/main" id="{339406D5-A575-478B-F794-7F1D72939AB5}"/>
+              </a:ext>
+            </a:extLst>
+          </p:cNvPr>
+          <p:cNvPicPr>
+            <a:picLocks noChangeAspect="1"/>
+          </p:cNvPicPr>
+          <p:nvPr/>
+        </p:nvPicPr>
+        <p:blipFill>
+          <a:blip r:embed="rId3"/>
+          <a:stretch>
+            <a:fillRect/>
+          </a:stretch>
+        </p:blipFill>
+        <p:spPr>
+          <a:xfrm>
+            <a:off x="164568" y="2219204"/>
+            <a:ext cx="3792772" cy="2196429"/>
+          </a:xfrm>
+          <a:prstGeom prst="rect">
+            <a:avLst/>
+          </a:prstGeom>
+        </p:spPr>
+      </p:pic>
+      <p:pic>
+        <p:nvPicPr>
+          <p:cNvPr id="16" name="Kép 15">
+            <a:extLst>
+              <a:ext uri="{FF2B5EF4-FFF2-40B4-BE49-F238E27FC236}">
+                <a16:creationId xmlns:a16="http://schemas.microsoft.com/office/drawing/2014/main" id="{951E7FC5-6A4E-C8F2-447F-8B6A37773490}"/>
+              </a:ext>
+            </a:extLst>
+          </p:cNvPr>
+          <p:cNvPicPr>
+            <a:picLocks noChangeAspect="1"/>
+          </p:cNvPicPr>
+          <p:nvPr/>
+        </p:nvPicPr>
+        <p:blipFill>
+          <a:blip r:embed="rId4"/>
+          <a:stretch>
+            <a:fillRect/>
+          </a:stretch>
+        </p:blipFill>
+        <p:spPr>
+          <a:xfrm>
+            <a:off x="8497231" y="1984719"/>
+            <a:ext cx="3541938" cy="2512098"/>
+          </a:xfrm>
+          <a:prstGeom prst="rect">
+            <a:avLst/>
+          </a:prstGeom>
+        </p:spPr>
+      </p:pic>
+      <p:pic>
+        <p:nvPicPr>
+          <p:cNvPr id="18" name="Kép 17">
+            <a:extLst>
+              <a:ext uri="{FF2B5EF4-FFF2-40B4-BE49-F238E27FC236}">
+                <a16:creationId xmlns:a16="http://schemas.microsoft.com/office/drawing/2014/main" id="{F38298E5-7443-4517-63FB-8C9008CEFD63}"/>
+              </a:ext>
+            </a:extLst>
+          </p:cNvPr>
+          <p:cNvPicPr>
+            <a:picLocks noChangeAspect="1"/>
+          </p:cNvPicPr>
+          <p:nvPr/>
+        </p:nvPicPr>
+        <p:blipFill>
+          <a:blip r:embed="rId5"/>
+          <a:stretch>
+            <a:fillRect/>
+          </a:stretch>
+        </p:blipFill>
+        <p:spPr>
+          <a:xfrm>
+            <a:off x="4177513" y="2034790"/>
+            <a:ext cx="4057149" cy="2512098"/>
+          </a:xfrm>
+          <a:prstGeom prst="rect">
+            <a:avLst/>
+          </a:prstGeom>
+        </p:spPr>
+      </p:pic>
+    </p:spTree>
+    <p:extLst>
+      <p:ext uri="{BB962C8B-B14F-4D97-AF65-F5344CB8AC3E}">
+        <p14:creationId xmlns:p14="http://schemas.microsoft.com/office/powerpoint/2010/main" val="624471530"/>
+      </p:ext>
+    </p:extLst>
+  </p:cSld>
+  <p:clrMapOvr>
+    <a:masterClrMapping/>
+  </p:clrMapOvr>
+  <mc:AlternateContent xmlns:mc="http://schemas.openxmlformats.org/markup-compatibility/2006">
+    <mc:Choice xmlns:p14="http://schemas.microsoft.com/office/powerpoint/2010/main" Requires="p14">
+      <p:transition spd="slow" p14:dur="4000">
+        <p14:vortex dir="r"/>
+        <p:sndAc>
+          <p:stSnd>
+            <p:snd r:embed="rId2" name="chimes.wav"/>
+          </p:stSnd>
+        </p:sndAc>
+      </p:transition>
+    </mc:Choice>
+    <mc:Fallback>
+      <p:transition spd="slow">
+        <p:fade/>
+        <p:sndAc>
+          <p:stSnd>
+            <p:snd r:embed="rId2" name="chimes.wav"/>
+          </p:stSnd>
+        </p:sndAc>
+      </p:transition>
+    </mc:Fallback>
+  </mc:AlternateContent>
+</p:sld>
+</file>
+
+<file path=ppt/slides/slide3.xml><?xml version="1.0" encoding="utf-8"?>
 <p:sld xmlns:a="http://schemas.openxmlformats.org/drawingml/2006/main" xmlns:r="http://schemas.openxmlformats.org/officeDocument/2006/relationships" xmlns:p="http://schemas.openxmlformats.org/presentationml/2006/main">
   <p:cSld>
     <p:spTree>
@@ -5419,7 +6426,7 @@
         </p:nvSpPr>
         <p:spPr>
           <a:xfrm>
-            <a:off x="4676418" y="-203433"/>
+            <a:off x="4676417" y="-211384"/>
             <a:ext cx="2839164" cy="1371600"/>
           </a:xfrm>
         </p:spPr>
@@ -5453,15 +6460,15 @@
           </p:nvPr>
         </p:nvPicPr>
         <p:blipFill>
-          <a:blip r:embed="rId2"/>
+          <a:blip r:embed="rId3"/>
           <a:stretch>
             <a:fillRect/>
           </a:stretch>
         </p:blipFill>
         <p:spPr>
           <a:xfrm>
-            <a:off x="306708" y="1303265"/>
-            <a:ext cx="4173013" cy="2188681"/>
+            <a:off x="123829" y="2285199"/>
+            <a:ext cx="3835321" cy="2130434"/>
           </a:xfrm>
           <a:prstGeom prst="rect">
             <a:avLst/>
@@ -5486,7 +6493,7 @@
         </p:nvSpPr>
         <p:spPr>
           <a:xfrm>
-            <a:off x="1548277" y="3610760"/>
+            <a:off x="1175580" y="4496817"/>
             <a:ext cx="1731818" cy="894127"/>
           </a:xfrm>
         </p:spPr>
@@ -5497,10 +6504,9 @@
           <a:lstStyle/>
           <a:p>
             <a:r>
-              <a:rPr lang="hu-HU" sz="3200" dirty="0" err="1"/>
+              <a:rPr lang="hu-HU" sz="3200" dirty="0"/>
               <a:t>Főmenü</a:t>
             </a:r>
-            <a:endParaRPr lang="hu-HU" sz="3200" dirty="0"/>
           </a:p>
         </p:txBody>
       </p:sp>
@@ -5519,15 +6525,15 @@
           <p:nvPr/>
         </p:nvPicPr>
         <p:blipFill>
-          <a:blip r:embed="rId3"/>
+          <a:blip r:embed="rId4"/>
           <a:stretch>
             <a:fillRect/>
           </a:stretch>
         </p:blipFill>
         <p:spPr>
           <a:xfrm>
-            <a:off x="6666671" y="1303264"/>
-            <a:ext cx="4372394" cy="2307495"/>
+            <a:off x="8232849" y="2250672"/>
+            <a:ext cx="3914093" cy="2164961"/>
           </a:xfrm>
           <a:prstGeom prst="rect">
             <a:avLst/>
@@ -5550,7 +6556,7 @@
         </p:nvSpPr>
         <p:spPr>
           <a:xfrm>
-            <a:off x="7986959" y="3742359"/>
+            <a:off x="9402291" y="4473879"/>
             <a:ext cx="1731818" cy="894127"/>
           </a:xfrm>
           <a:prstGeom prst="rect">
@@ -5797,6 +6803,299 @@
           </a:p>
         </p:txBody>
       </p:sp>
+      <p:pic>
+        <p:nvPicPr>
+          <p:cNvPr id="8" name="Kép 7">
+            <a:extLst>
+              <a:ext uri="{FF2B5EF4-FFF2-40B4-BE49-F238E27FC236}">
+                <a16:creationId xmlns:a16="http://schemas.microsoft.com/office/drawing/2014/main" id="{9A853EA1-2296-FB03-40E6-FD8B30BEBE1F}"/>
+              </a:ext>
+            </a:extLst>
+          </p:cNvPr>
+          <p:cNvPicPr>
+            <a:picLocks noChangeAspect="1"/>
+          </p:cNvPicPr>
+          <p:nvPr/>
+        </p:nvPicPr>
+        <p:blipFill>
+          <a:blip r:embed="rId5"/>
+          <a:stretch>
+            <a:fillRect/>
+          </a:stretch>
+        </p:blipFill>
+        <p:spPr>
+          <a:xfrm>
+            <a:off x="4064008" y="1453723"/>
+            <a:ext cx="4063983" cy="4068458"/>
+          </a:xfrm>
+          <a:prstGeom prst="rect">
+            <a:avLst/>
+          </a:prstGeom>
+        </p:spPr>
+      </p:pic>
+      <p:sp>
+        <p:nvSpPr>
+          <p:cNvPr id="9" name="Szöveg helye 3">
+            <a:extLst>
+              <a:ext uri="{FF2B5EF4-FFF2-40B4-BE49-F238E27FC236}">
+                <a16:creationId xmlns:a16="http://schemas.microsoft.com/office/drawing/2014/main" id="{948488F5-95FF-C78D-2218-FD7E1DEE0D89}"/>
+              </a:ext>
+            </a:extLst>
+          </p:cNvPr>
+          <p:cNvSpPr txBox="1">
+            <a:spLocks/>
+          </p:cNvSpPr>
+          <p:nvPr/>
+        </p:nvSpPr>
+        <p:spPr>
+          <a:xfrm>
+            <a:off x="5443866" y="5577840"/>
+            <a:ext cx="1731818" cy="894127"/>
+          </a:xfrm>
+          <a:prstGeom prst="rect">
+            <a:avLst/>
+          </a:prstGeom>
+        </p:spPr>
+        <p:txBody>
+          <a:bodyPr vert="horz" lIns="91440" tIns="45720" rIns="91440" bIns="45720" rtlCol="0" anchor="t">
+            <a:normAutofit/>
+          </a:bodyPr>
+          <a:lstStyle>
+            <a:lvl1pPr marL="0" indent="0" algn="l" defTabSz="457200" rtl="0" eaLnBrk="1" latinLnBrk="0" hangingPunct="1">
+              <a:spcBef>
+                <a:spcPct val="20000"/>
+              </a:spcBef>
+              <a:spcAft>
+                <a:spcPts val="600"/>
+              </a:spcAft>
+              <a:buClr>
+                <a:schemeClr val="tx1"/>
+              </a:buClr>
+              <a:buSzPct val="80000"/>
+              <a:buFont typeface="Wingdings 3" panose="05040102010807070707" pitchFamily="18" charset="2"/>
+              <a:buNone/>
+              <a:defRPr sz="1600" kern="1200" cap="none">
+                <a:solidFill>
+                  <a:schemeClr val="bg2">
+                    <a:lumMod val="75000"/>
+                  </a:schemeClr>
+                </a:solidFill>
+                <a:effectLst/>
+                <a:latin typeface="+mn-lt"/>
+                <a:ea typeface="+mn-ea"/>
+                <a:cs typeface="+mn-cs"/>
+              </a:defRPr>
+            </a:lvl1pPr>
+            <a:lvl2pPr marL="457200" indent="0" algn="l" defTabSz="457200" rtl="0" eaLnBrk="1" latinLnBrk="0" hangingPunct="1">
+              <a:spcBef>
+                <a:spcPct val="20000"/>
+              </a:spcBef>
+              <a:spcAft>
+                <a:spcPts val="600"/>
+              </a:spcAft>
+              <a:buClr>
+                <a:schemeClr val="tx1"/>
+              </a:buClr>
+              <a:buSzPct val="80000"/>
+              <a:buFont typeface="Wingdings 3" panose="05040102010807070707" pitchFamily="18" charset="2"/>
+              <a:buNone/>
+              <a:defRPr sz="1200" kern="1200" cap="none">
+                <a:solidFill>
+                  <a:schemeClr val="bg2">
+                    <a:lumMod val="75000"/>
+                  </a:schemeClr>
+                </a:solidFill>
+                <a:effectLst/>
+                <a:latin typeface="+mn-lt"/>
+                <a:ea typeface="+mn-ea"/>
+                <a:cs typeface="+mn-cs"/>
+              </a:defRPr>
+            </a:lvl2pPr>
+            <a:lvl3pPr marL="914400" indent="0" algn="l" defTabSz="457200" rtl="0" eaLnBrk="1" latinLnBrk="0" hangingPunct="1">
+              <a:spcBef>
+                <a:spcPct val="20000"/>
+              </a:spcBef>
+              <a:spcAft>
+                <a:spcPts val="600"/>
+              </a:spcAft>
+              <a:buClr>
+                <a:schemeClr val="tx1"/>
+              </a:buClr>
+              <a:buSzPct val="80000"/>
+              <a:buFont typeface="Wingdings 3" panose="05040102010807070707" pitchFamily="18" charset="2"/>
+              <a:buNone/>
+              <a:defRPr sz="1000" kern="1200" cap="none">
+                <a:solidFill>
+                  <a:schemeClr val="bg2">
+                    <a:lumMod val="75000"/>
+                  </a:schemeClr>
+                </a:solidFill>
+                <a:effectLst/>
+                <a:latin typeface="+mn-lt"/>
+                <a:ea typeface="+mn-ea"/>
+                <a:cs typeface="+mn-cs"/>
+              </a:defRPr>
+            </a:lvl3pPr>
+            <a:lvl4pPr marL="1371600" indent="0" algn="l" defTabSz="457200" rtl="0" eaLnBrk="1" latinLnBrk="0" hangingPunct="1">
+              <a:spcBef>
+                <a:spcPct val="20000"/>
+              </a:spcBef>
+              <a:spcAft>
+                <a:spcPts val="600"/>
+              </a:spcAft>
+              <a:buClr>
+                <a:schemeClr val="tx1"/>
+              </a:buClr>
+              <a:buSzPct val="80000"/>
+              <a:buFont typeface="Wingdings 3" panose="05040102010807070707" pitchFamily="18" charset="2"/>
+              <a:buNone/>
+              <a:defRPr sz="900" kern="1200" cap="none">
+                <a:solidFill>
+                  <a:schemeClr val="bg2">
+                    <a:lumMod val="75000"/>
+                  </a:schemeClr>
+                </a:solidFill>
+                <a:effectLst/>
+                <a:latin typeface="+mn-lt"/>
+                <a:ea typeface="+mn-ea"/>
+                <a:cs typeface="+mn-cs"/>
+              </a:defRPr>
+            </a:lvl4pPr>
+            <a:lvl5pPr marL="1828800" indent="0" algn="l" defTabSz="457200" rtl="0" eaLnBrk="1" latinLnBrk="0" hangingPunct="1">
+              <a:spcBef>
+                <a:spcPct val="20000"/>
+              </a:spcBef>
+              <a:spcAft>
+                <a:spcPts val="600"/>
+              </a:spcAft>
+              <a:buClr>
+                <a:schemeClr val="tx1"/>
+              </a:buClr>
+              <a:buSzPct val="80000"/>
+              <a:buFont typeface="Wingdings 3" panose="05040102010807070707" pitchFamily="18" charset="2"/>
+              <a:buNone/>
+              <a:defRPr sz="900" kern="1200" cap="none">
+                <a:solidFill>
+                  <a:schemeClr val="bg2">
+                    <a:lumMod val="75000"/>
+                  </a:schemeClr>
+                </a:solidFill>
+                <a:effectLst/>
+                <a:latin typeface="+mn-lt"/>
+                <a:ea typeface="+mn-ea"/>
+                <a:cs typeface="+mn-cs"/>
+              </a:defRPr>
+            </a:lvl5pPr>
+            <a:lvl6pPr marL="2286000" indent="0" algn="l" defTabSz="457200" rtl="0" eaLnBrk="1" latinLnBrk="0" hangingPunct="1">
+              <a:spcBef>
+                <a:spcPct val="20000"/>
+              </a:spcBef>
+              <a:spcAft>
+                <a:spcPts val="600"/>
+              </a:spcAft>
+              <a:buClr>
+                <a:schemeClr val="tx1"/>
+              </a:buClr>
+              <a:buSzPct val="80000"/>
+              <a:buFont typeface="Wingdings 3" panose="05040102010807070707" pitchFamily="18" charset="2"/>
+              <a:buNone/>
+              <a:defRPr sz="900" kern="1200" cap="none">
+                <a:solidFill>
+                  <a:schemeClr val="bg2">
+                    <a:lumMod val="75000"/>
+                  </a:schemeClr>
+                </a:solidFill>
+                <a:effectLst/>
+                <a:latin typeface="+mn-lt"/>
+                <a:ea typeface="+mn-ea"/>
+                <a:cs typeface="+mn-cs"/>
+              </a:defRPr>
+            </a:lvl6pPr>
+            <a:lvl7pPr marL="2743200" indent="0" algn="l" defTabSz="457200" rtl="0" eaLnBrk="1" latinLnBrk="0" hangingPunct="1">
+              <a:spcBef>
+                <a:spcPct val="20000"/>
+              </a:spcBef>
+              <a:spcAft>
+                <a:spcPts val="600"/>
+              </a:spcAft>
+              <a:buClr>
+                <a:schemeClr val="tx1"/>
+              </a:buClr>
+              <a:buSzPct val="80000"/>
+              <a:buFont typeface="Wingdings 3" panose="05040102010807070707" pitchFamily="18" charset="2"/>
+              <a:buNone/>
+              <a:defRPr sz="900" kern="1200" cap="none">
+                <a:solidFill>
+                  <a:schemeClr val="bg2">
+                    <a:lumMod val="75000"/>
+                  </a:schemeClr>
+                </a:solidFill>
+                <a:effectLst/>
+                <a:latin typeface="+mn-lt"/>
+                <a:ea typeface="+mn-ea"/>
+                <a:cs typeface="+mn-cs"/>
+              </a:defRPr>
+            </a:lvl7pPr>
+            <a:lvl8pPr marL="3200400" indent="0" algn="l" defTabSz="457200" rtl="0" eaLnBrk="1" latinLnBrk="0" hangingPunct="1">
+              <a:spcBef>
+                <a:spcPct val="20000"/>
+              </a:spcBef>
+              <a:spcAft>
+                <a:spcPts val="600"/>
+              </a:spcAft>
+              <a:buClr>
+                <a:schemeClr val="tx1"/>
+              </a:buClr>
+              <a:buSzPct val="80000"/>
+              <a:buFont typeface="Wingdings 3" panose="05040102010807070707" pitchFamily="18" charset="2"/>
+              <a:buNone/>
+              <a:defRPr sz="900" kern="1200" cap="none">
+                <a:solidFill>
+                  <a:schemeClr val="bg2">
+                    <a:lumMod val="75000"/>
+                  </a:schemeClr>
+                </a:solidFill>
+                <a:effectLst/>
+                <a:latin typeface="+mn-lt"/>
+                <a:ea typeface="+mn-ea"/>
+                <a:cs typeface="+mn-cs"/>
+              </a:defRPr>
+            </a:lvl8pPr>
+            <a:lvl9pPr marL="3657600" indent="0" algn="l" defTabSz="457200" rtl="0" eaLnBrk="1" latinLnBrk="0" hangingPunct="1">
+              <a:spcBef>
+                <a:spcPct val="20000"/>
+              </a:spcBef>
+              <a:spcAft>
+                <a:spcPts val="600"/>
+              </a:spcAft>
+              <a:buClr>
+                <a:schemeClr val="tx1"/>
+              </a:buClr>
+              <a:buSzPct val="80000"/>
+              <a:buFont typeface="Wingdings 3" panose="05040102010807070707" pitchFamily="18" charset="2"/>
+              <a:buNone/>
+              <a:defRPr sz="900" kern="1200" cap="none">
+                <a:solidFill>
+                  <a:schemeClr val="bg2">
+                    <a:lumMod val="75000"/>
+                  </a:schemeClr>
+                </a:solidFill>
+                <a:effectLst/>
+                <a:latin typeface="+mn-lt"/>
+                <a:ea typeface="+mn-ea"/>
+                <a:cs typeface="+mn-cs"/>
+              </a:defRPr>
+            </a:lvl9pPr>
+          </a:lstStyle>
+          <a:p>
+            <a:r>
+              <a:rPr lang="hu-HU" sz="2800" dirty="0"/>
+              <a:t>Játék</a:t>
+            </a:r>
+            <a:endParaRPr lang="hu-HU" sz="4000" dirty="0"/>
+          </a:p>
+        </p:txBody>
+      </p:sp>
     </p:spTree>
     <p:extLst>
       <p:ext uri="{BB962C8B-B14F-4D97-AF65-F5344CB8AC3E}">
@@ -5807,6 +7106,287 @@
   <p:clrMapOvr>
     <a:masterClrMapping/>
   </p:clrMapOvr>
+  <mc:AlternateContent xmlns:mc="http://schemas.openxmlformats.org/markup-compatibility/2006">
+    <mc:Choice xmlns:p14="http://schemas.microsoft.com/office/powerpoint/2010/main" Requires="p14">
+      <p:transition spd="slow" p14:dur="4000">
+        <p14:vortex dir="r"/>
+        <p:sndAc>
+          <p:stSnd>
+            <p:snd r:embed="rId2" name="chimes.wav"/>
+          </p:stSnd>
+        </p:sndAc>
+      </p:transition>
+    </mc:Choice>
+    <mc:Fallback>
+      <p:transition spd="slow">
+        <p:fade/>
+        <p:sndAc>
+          <p:stSnd>
+            <p:snd r:embed="rId2" name="chimes.wav"/>
+          </p:stSnd>
+        </p:sndAc>
+      </p:transition>
+    </mc:Fallback>
+  </mc:AlternateContent>
+</p:sld>
+</file>
+
+<file path=ppt/slides/slide4.xml><?xml version="1.0" encoding="utf-8"?>
+<p:sld xmlns:a="http://schemas.openxmlformats.org/drawingml/2006/main" xmlns:r="http://schemas.openxmlformats.org/officeDocument/2006/relationships" xmlns:p="http://schemas.openxmlformats.org/presentationml/2006/main">
+  <p:cSld>
+    <p:spTree>
+      <p:nvGrpSpPr>
+        <p:cNvPr id="1" name=""/>
+        <p:cNvGrpSpPr/>
+        <p:nvPr/>
+      </p:nvGrpSpPr>
+      <p:grpSpPr>
+        <a:xfrm>
+          <a:off x="0" y="0"/>
+          <a:ext cx="0" cy="0"/>
+          <a:chOff x="0" y="0"/>
+          <a:chExt cx="0" cy="0"/>
+        </a:xfrm>
+      </p:grpSpPr>
+      <p:sp>
+        <p:nvSpPr>
+          <p:cNvPr id="2" name="Cím 1">
+            <a:extLst>
+              <a:ext uri="{FF2B5EF4-FFF2-40B4-BE49-F238E27FC236}">
+                <a16:creationId xmlns:a16="http://schemas.microsoft.com/office/drawing/2014/main" id="{93841FC5-E342-7C83-AB3A-984D62FE1701}"/>
+              </a:ext>
+            </a:extLst>
+          </p:cNvPr>
+          <p:cNvSpPr>
+            <a:spLocks noGrp="1"/>
+          </p:cNvSpPr>
+          <p:nvPr>
+            <p:ph type="title"/>
+          </p:nvPr>
+        </p:nvSpPr>
+        <p:spPr>
+          <a:xfrm>
+            <a:off x="684212" y="685800"/>
+            <a:ext cx="8534400" cy="1507067"/>
+          </a:xfrm>
+        </p:spPr>
+        <p:txBody>
+          <a:bodyPr/>
+          <a:lstStyle/>
+          <a:p>
+            <a:r>
+              <a:rPr lang="hu-HU" dirty="0"/>
+              <a:t>Ki mit csinált?</a:t>
+            </a:r>
+          </a:p>
+        </p:txBody>
+      </p:sp>
+      <p:sp>
+        <p:nvSpPr>
+          <p:cNvPr id="3" name="Tartalom helye 2">
+            <a:extLst>
+              <a:ext uri="{FF2B5EF4-FFF2-40B4-BE49-F238E27FC236}">
+                <a16:creationId xmlns:a16="http://schemas.microsoft.com/office/drawing/2014/main" id="{1CF1E151-A82A-34DD-04BD-BC597110A80E}"/>
+              </a:ext>
+            </a:extLst>
+          </p:cNvPr>
+          <p:cNvSpPr>
+            <a:spLocks noGrp="1"/>
+          </p:cNvSpPr>
+          <p:nvPr>
+            <p:ph idx="1"/>
+          </p:nvPr>
+        </p:nvSpPr>
+        <p:spPr>
+          <a:xfrm>
+            <a:off x="684212" y="2093181"/>
+            <a:ext cx="8534400" cy="4395083"/>
+          </a:xfrm>
+        </p:spPr>
+        <p:txBody>
+          <a:bodyPr anchor="t"/>
+          <a:lstStyle/>
+          <a:p>
+            <a:r>
+              <a:rPr lang="hu-HU" dirty="0"/>
+              <a:t>Csongor:</a:t>
+            </a:r>
+          </a:p>
+          <a:p>
+            <a:pPr lvl="1"/>
+            <a:r>
+              <a:rPr lang="hu-HU" dirty="0"/>
+              <a:t>Mozgás</a:t>
+            </a:r>
+          </a:p>
+          <a:p>
+            <a:pPr lvl="1"/>
+            <a:r>
+              <a:rPr lang="hu-HU" dirty="0"/>
+              <a:t>Lövés</a:t>
+            </a:r>
+          </a:p>
+          <a:p>
+            <a:pPr lvl="1"/>
+            <a:r>
+              <a:rPr lang="hu-HU" dirty="0"/>
+              <a:t>Collision</a:t>
+            </a:r>
+          </a:p>
+          <a:p>
+            <a:r>
+              <a:rPr lang="hu-HU" dirty="0"/>
+              <a:t>Martin:</a:t>
+            </a:r>
+          </a:p>
+          <a:p>
+            <a:pPr lvl="1"/>
+            <a:r>
+              <a:rPr lang="hu-HU" dirty="0"/>
+              <a:t>Főmenü</a:t>
+            </a:r>
+          </a:p>
+          <a:p>
+            <a:pPr lvl="1"/>
+            <a:r>
+              <a:rPr lang="hu-HU" dirty="0"/>
+              <a:t>Lobby</a:t>
+            </a:r>
+          </a:p>
+          <a:p>
+            <a:r>
+              <a:rPr lang="hu-HU" dirty="0"/>
+              <a:t>Benedek:</a:t>
+            </a:r>
+          </a:p>
+          <a:p>
+            <a:pPr lvl="1"/>
+            <a:r>
+              <a:rPr lang="hu-HU" dirty="0"/>
+              <a:t>Labirintus generálás</a:t>
+            </a:r>
+          </a:p>
+          <a:p>
+            <a:pPr lvl="1"/>
+            <a:r>
+              <a:rPr lang="hu-HU" dirty="0"/>
+              <a:t>Labirintus megjelenítés</a:t>
+            </a:r>
+          </a:p>
+        </p:txBody>
+      </p:sp>
+    </p:spTree>
+    <p:extLst>
+      <p:ext uri="{BB962C8B-B14F-4D97-AF65-F5344CB8AC3E}">
+        <p14:creationId xmlns:p14="http://schemas.microsoft.com/office/powerpoint/2010/main" val="1096457033"/>
+      </p:ext>
+    </p:extLst>
+  </p:cSld>
+  <p:clrMapOvr>
+    <a:masterClrMapping/>
+  </p:clrMapOvr>
+  <mc:AlternateContent xmlns:mc="http://schemas.openxmlformats.org/markup-compatibility/2006">
+    <mc:Choice xmlns:p14="http://schemas.microsoft.com/office/powerpoint/2010/main" Requires="p14">
+      <p:transition spd="slow" p14:dur="4000">
+        <p14:vortex dir="r"/>
+        <p:sndAc>
+          <p:stSnd>
+            <p:snd r:embed="rId2" name="chimes.wav"/>
+          </p:stSnd>
+        </p:sndAc>
+      </p:transition>
+    </mc:Choice>
+    <mc:Fallback>
+      <p:transition spd="slow">
+        <p:fade/>
+        <p:sndAc>
+          <p:stSnd>
+            <p:snd r:embed="rId2" name="chimes.wav"/>
+          </p:stSnd>
+        </p:sndAc>
+      </p:transition>
+    </mc:Fallback>
+  </mc:AlternateContent>
+</p:sld>
+</file>
+
+<file path=ppt/slides/slide5.xml><?xml version="1.0" encoding="utf-8"?>
+<p:sld xmlns:a="http://schemas.openxmlformats.org/drawingml/2006/main" xmlns:r="http://schemas.openxmlformats.org/officeDocument/2006/relationships" xmlns:p="http://schemas.openxmlformats.org/presentationml/2006/main">
+  <p:cSld>
+    <p:spTree>
+      <p:nvGrpSpPr>
+        <p:cNvPr id="1" name=""/>
+        <p:cNvGrpSpPr/>
+        <p:nvPr/>
+      </p:nvGrpSpPr>
+      <p:grpSpPr>
+        <a:xfrm>
+          <a:off x="0" y="0"/>
+          <a:ext cx="0" cy="0"/>
+          <a:chOff x="0" y="0"/>
+          <a:chExt cx="0" cy="0"/>
+        </a:xfrm>
+      </p:grpSpPr>
+      <p:sp>
+        <p:nvSpPr>
+          <p:cNvPr id="2" name="Cím 1">
+            <a:extLst>
+              <a:ext uri="{FF2B5EF4-FFF2-40B4-BE49-F238E27FC236}">
+                <a16:creationId xmlns:a16="http://schemas.microsoft.com/office/drawing/2014/main" id="{60DF5156-70FA-E08D-96C7-FD1F03975297}"/>
+              </a:ext>
+            </a:extLst>
+          </p:cNvPr>
+          <p:cNvSpPr>
+            <a:spLocks noGrp="1"/>
+          </p:cNvSpPr>
+          <p:nvPr>
+            <p:ph type="ctrTitle"/>
+          </p:nvPr>
+        </p:nvSpPr>
+        <p:spPr/>
+        <p:txBody>
+          <a:bodyPr/>
+          <a:lstStyle/>
+          <a:p>
+            <a:r>
+              <a:rPr lang="hu-HU" dirty="0"/>
+              <a:t>Nézzük is a játékot!!!</a:t>
+            </a:r>
+          </a:p>
+        </p:txBody>
+      </p:sp>
+    </p:spTree>
+    <p:extLst>
+      <p:ext uri="{BB962C8B-B14F-4D97-AF65-F5344CB8AC3E}">
+        <p14:creationId xmlns:p14="http://schemas.microsoft.com/office/powerpoint/2010/main" val="2004925032"/>
+      </p:ext>
+    </p:extLst>
+  </p:cSld>
+  <p:clrMapOvr>
+    <a:masterClrMapping/>
+  </p:clrMapOvr>
+  <mc:AlternateContent xmlns:mc="http://schemas.openxmlformats.org/markup-compatibility/2006">
+    <mc:Choice xmlns:p14="http://schemas.microsoft.com/office/powerpoint/2010/main" Requires="p14">
+      <p:transition spd="slow" p14:dur="4000">
+        <p14:vortex dir="r"/>
+        <p:sndAc>
+          <p:stSnd>
+            <p:snd r:embed="rId2" name="chimes.wav"/>
+          </p:stSnd>
+        </p:sndAc>
+      </p:transition>
+    </mc:Choice>
+    <mc:Fallback>
+      <p:transition spd="slow">
+        <p:fade/>
+        <p:sndAc>
+          <p:stSnd>
+            <p:snd r:embed="rId2" name="chimes.wav"/>
+          </p:stSnd>
+        </p:sndAc>
+      </p:transition>
+    </mc:Fallback>
+  </mc:AlternateContent>
 </p:sld>
 </file>
 
